--- a/Examples/src/main/resources/com/aspose/slides/examples/Text/ManagingParagraphPictureBulletsInPPTX/Bullet.pptx
+++ b/Examples/src/main/resources/com/aspose/slides/examples/Text/ManagingParagraphPictureBulletsInPPTX/Bullet.pptx
@@ -1,6 +1,6 @@
 
 <file path=ppt/presentation.xml><?xml version="1.0" encoding="utf-8"?>
-<!--Generated by Aspose.Slides for Java 16.5.0.0-->
+<!--Generated by Aspose.Slides for Java 16.6.0.0-->
 <p:presentation xmlns:r="http://schemas.openxmlformats.org/officeDocument/2006/relationships" xmlns:a="http://schemas.openxmlformats.org/drawingml/2006/main" xmlns:p="http://schemas.openxmlformats.org/presentationml/2006/main" saveSubsetFonts="1">
   <p:sldMasterIdLst>
     <p:sldMasterId id="2147483648" r:id="rId1"/>
@@ -278,7 +278,7 @@
           <a:bodyPr/>
           <a:lstStyle/>
           <a:p>
-            <a:fld id="{4A66A6A0-F93C-4179-AC45-3C2A4F50A1ED}" type="datetimeFigureOut">
+            <a:fld id="{3BB737F6-57C6-4C5C-87CD-10E6827316BB}" type="datetimeFigureOut">
               <a:rPr lang="en-US" smtClean="0" smtId="4294967295"/>
               <a:t>11/7/2009</a:t>
             </a:fld>
@@ -442,7 +442,7 @@
           <a:bodyPr/>
           <a:lstStyle/>
           <a:p>
-            <a:fld id="{C4FD1906-FA40-45D9-9B31-20260291A1C1}" type="datetimeFigureOut">
+            <a:fld id="{B00CF05D-2E69-40B4-94EE-8BB564463229}" type="datetimeFigureOut">
               <a:rPr lang="en-US" smtClean="0" smtId="4294967295"/>
               <a:t>11/7/2009</a:t>
             </a:fld>
@@ -606,7 +606,7 @@
           <a:bodyPr/>
           <a:lstStyle/>
           <a:p>
-            <a:fld id="{B9E0FC69-898F-49A0-AF5F-F7FCB2EAF140}" type="datetimeFigureOut">
+            <a:fld id="{8EE505D6-9B1A-4921-B578-501FB85939E8}" type="datetimeFigureOut">
               <a:rPr lang="en-US" smtClean="0" smtId="4294967295"/>
               <a:t>11/7/2009</a:t>
             </a:fld>
@@ -770,7 +770,7 @@
           <a:bodyPr/>
           <a:lstStyle/>
           <a:p>
-            <a:fld id="{41D21975-C164-4B5C-8C3D-B88C5D22E746}" type="datetimeFigureOut">
+            <a:fld id="{43E0C10A-FA89-45E1-805A-0DC9F7C15BF4}" type="datetimeFigureOut">
               <a:rPr lang="en-US" smtClean="0" smtId="4294967295"/>
               <a:t>11/7/2009</a:t>
             </a:fld>
@@ -1000,7 +1000,7 @@
           <a:bodyPr/>
           <a:lstStyle/>
           <a:p>
-            <a:fld id="{2B92B9F1-89D3-4F65-B96D-8D1C81B8FB0C}" type="datetimeFigureOut">
+            <a:fld id="{F6C90AD3-4D10-4A43-8825-EA4B2B31803E}" type="datetimeFigureOut">
               <a:rPr lang="en-US" smtClean="0" smtId="4294967295"/>
               <a:t>11/7/2009</a:t>
             </a:fld>
@@ -1271,7 +1271,7 @@
           <a:bodyPr/>
           <a:lstStyle/>
           <a:p>
-            <a:fld id="{EE00AFD7-BCEA-45FE-8D74-A6B28B095666}" type="datetimeFigureOut">
+            <a:fld id="{C955468D-5AE6-48E4-8441-3EF993B95093}" type="datetimeFigureOut">
               <a:rPr lang="en-US" smtClean="0" smtId="4294967295"/>
               <a:t>11/7/2009</a:t>
             </a:fld>
@@ -1660,7 +1660,7 @@
           <a:bodyPr/>
           <a:lstStyle/>
           <a:p>
-            <a:fld id="{3D8FE91A-E18B-4A63-8559-C9D09D1E8E19}" type="datetimeFigureOut">
+            <a:fld id="{BDDEFFBE-C484-470E-8E75-B8E6FEAA94D0}" type="datetimeFigureOut">
               <a:rPr lang="en-US" smtClean="0" smtId="4294967295"/>
               <a:t>11/7/2009</a:t>
             </a:fld>
@@ -1773,7 +1773,7 @@
           <a:bodyPr/>
           <a:lstStyle/>
           <a:p>
-            <a:fld id="{C8E9D466-0F0F-48FE-9627-A760D82B62A9}" type="datetimeFigureOut">
+            <a:fld id="{61A3FC11-E2DE-4DCD-AB9E-EC753B2B8A6D}" type="datetimeFigureOut">
               <a:rPr lang="en-US" smtClean="0" smtId="4294967295"/>
               <a:t>11/7/2009</a:t>
             </a:fld>
@@ -1863,7 +1863,7 @@
           <a:bodyPr/>
           <a:lstStyle/>
           <a:p>
-            <a:fld id="{BB86D619-19FA-4214-B950-E2D8E25FDF2F}" type="datetimeFigureOut">
+            <a:fld id="{DB9747D3-65F9-4456-A084-DADFE4A28495}" type="datetimeFigureOut">
               <a:rPr lang="en-US" smtClean="0" smtId="4294967295"/>
               <a:t>11/7/2009</a:t>
             </a:fld>
@@ -2118,7 +2118,7 @@
           <a:bodyPr/>
           <a:lstStyle/>
           <a:p>
-            <a:fld id="{88F7377F-5C3F-492F-82BE-F3828567A14D}" type="datetimeFigureOut">
+            <a:fld id="{7BCA3A6A-CF51-4C0B-9C2D-E01D6E2A941C}" type="datetimeFigureOut">
               <a:rPr lang="en-US" smtClean="0" smtId="4294967295"/>
               <a:t>11/7/2009</a:t>
             </a:fld>
@@ -2350,7 +2350,7 @@
           <a:bodyPr/>
           <a:lstStyle/>
           <a:p>
-            <a:fld id="{4AB1FE1C-2052-4CD4-A3A6-E14E3A480E5A}" type="datetimeFigureOut">
+            <a:fld id="{7921DC8B-0E15-41A9-AA6D-640D23977F52}" type="datetimeFigureOut">
               <a:rPr lang="en-US" smtClean="0" smtId="4294967295"/>
               <a:t>11/7/2009</a:t>
             </a:fld>
@@ -3036,7 +3036,7 @@
           <a:p>
             <a:pPr algn="ctr"/>
             <a:r>
-              <a:t>Created with Aspose.Slides for Java 16.5.0.0.</a:t>
+              <a:t>Created with Aspose.Slides for Java 16.6.0.0.</a:t>
             </a:r>
           </a:p>
           <a:p>
@@ -3059,10 +3059,10 @@
 
 <file path=ppt/tags/tag1.xml><?xml version="1.0" encoding="utf-8"?>
 <p:tagLst xmlns:p="http://schemas.openxmlformats.org/presentationml/2006/main">
-  <p:tag name="AS_OS" val="Microsoft Windows NT 6.3"/>
-  <p:tag name="AS_RELEASE_DATE" val="2016.06.11"/>
+  <p:tag name="AS_OS" val="Mac OS X 10.11 unknown"/>
+  <p:tag name="AS_RELEASE_DATE" val="2016.07.16"/>
   <p:tag name="AS_TITLE" val="Aspose.Slides for Java"/>
-  <p:tag name="AS_VERSION" val="16.5.0.0"/>
+  <p:tag name="AS_VERSION" val="16.6.0.0"/>
 </p:tagLst>
 </file>
 
@@ -3206,7 +3206,6 @@
             </a:gs>
           </a:gsLst>
           <a:lin ang="16200000" scaled="1"/>
-          <a:tileRect/>
         </a:gradFill>
         <a:gradFill rotWithShape="1">
           <a:gsLst>
@@ -3230,7 +3229,6 @@
             </a:gs>
           </a:gsLst>
           <a:lin ang="16200000" scaled="0"/>
-          <a:tileRect/>
         </a:gradFill>
       </a:fillStyleLst>
       <a:lnStyleLst>
@@ -3325,7 +3323,6 @@
           <a:path path="circle">
             <a:fillToRect l="50000" t="-80000" r="50000" b="180000"/>
           </a:path>
-          <a:tileRect/>
         </a:gradFill>
         <a:gradFill rotWithShape="1">
           <a:gsLst>
@@ -3345,7 +3342,6 @@
           <a:path path="circle">
             <a:fillToRect l="50000" t="50000" r="50000" b="50000"/>
           </a:path>
-          <a:tileRect/>
         </a:gradFill>
       </a:bgFillStyleLst>
     </a:fmtScheme>
